--- a/Documentation/Colour Palette.pptx
+++ b/Documentation/Colour Palette.pptx
@@ -263,7 +263,7 @@
           <a:p>
             <a:fld id="{10B89189-1E84-44A1-BBA3-D0F0D994D138}" type="datetimeFigureOut">
               <a:rPr lang="en-IE" smtClean="0"/>
-              <a:t>27/09/2023</a:t>
+              <a:t>09/10/2023</a:t>
             </a:fld>
             <a:endParaRPr lang="en-IE"/>
           </a:p>
@@ -463,7 +463,7 @@
           <a:p>
             <a:fld id="{10B89189-1E84-44A1-BBA3-D0F0D994D138}" type="datetimeFigureOut">
               <a:rPr lang="en-IE" smtClean="0"/>
-              <a:t>27/09/2023</a:t>
+              <a:t>09/10/2023</a:t>
             </a:fld>
             <a:endParaRPr lang="en-IE"/>
           </a:p>
@@ -673,7 +673,7 @@
           <a:p>
             <a:fld id="{10B89189-1E84-44A1-BBA3-D0F0D994D138}" type="datetimeFigureOut">
               <a:rPr lang="en-IE" smtClean="0"/>
-              <a:t>27/09/2023</a:t>
+              <a:t>09/10/2023</a:t>
             </a:fld>
             <a:endParaRPr lang="en-IE"/>
           </a:p>
@@ -873,7 +873,7 @@
           <a:p>
             <a:fld id="{10B89189-1E84-44A1-BBA3-D0F0D994D138}" type="datetimeFigureOut">
               <a:rPr lang="en-IE" smtClean="0"/>
-              <a:t>27/09/2023</a:t>
+              <a:t>09/10/2023</a:t>
             </a:fld>
             <a:endParaRPr lang="en-IE"/>
           </a:p>
@@ -1149,7 +1149,7 @@
           <a:p>
             <a:fld id="{10B89189-1E84-44A1-BBA3-D0F0D994D138}" type="datetimeFigureOut">
               <a:rPr lang="en-IE" smtClean="0"/>
-              <a:t>27/09/2023</a:t>
+              <a:t>09/10/2023</a:t>
             </a:fld>
             <a:endParaRPr lang="en-IE"/>
           </a:p>
@@ -1417,7 +1417,7 @@
           <a:p>
             <a:fld id="{10B89189-1E84-44A1-BBA3-D0F0D994D138}" type="datetimeFigureOut">
               <a:rPr lang="en-IE" smtClean="0"/>
-              <a:t>27/09/2023</a:t>
+              <a:t>09/10/2023</a:t>
             </a:fld>
             <a:endParaRPr lang="en-IE"/>
           </a:p>
@@ -1832,7 +1832,7 @@
           <a:p>
             <a:fld id="{10B89189-1E84-44A1-BBA3-D0F0D994D138}" type="datetimeFigureOut">
               <a:rPr lang="en-IE" smtClean="0"/>
-              <a:t>27/09/2023</a:t>
+              <a:t>09/10/2023</a:t>
             </a:fld>
             <a:endParaRPr lang="en-IE"/>
           </a:p>
@@ -1974,7 +1974,7 @@
           <a:p>
             <a:fld id="{10B89189-1E84-44A1-BBA3-D0F0D994D138}" type="datetimeFigureOut">
               <a:rPr lang="en-IE" smtClean="0"/>
-              <a:t>27/09/2023</a:t>
+              <a:t>09/10/2023</a:t>
             </a:fld>
             <a:endParaRPr lang="en-IE"/>
           </a:p>
@@ -2087,7 +2087,7 @@
           <a:p>
             <a:fld id="{10B89189-1E84-44A1-BBA3-D0F0D994D138}" type="datetimeFigureOut">
               <a:rPr lang="en-IE" smtClean="0"/>
-              <a:t>27/09/2023</a:t>
+              <a:t>09/10/2023</a:t>
             </a:fld>
             <a:endParaRPr lang="en-IE"/>
           </a:p>
@@ -2400,7 +2400,7 @@
           <a:p>
             <a:fld id="{10B89189-1E84-44A1-BBA3-D0F0D994D138}" type="datetimeFigureOut">
               <a:rPr lang="en-IE" smtClean="0"/>
-              <a:t>27/09/2023</a:t>
+              <a:t>09/10/2023</a:t>
             </a:fld>
             <a:endParaRPr lang="en-IE"/>
           </a:p>
@@ -2689,7 +2689,7 @@
           <a:p>
             <a:fld id="{10B89189-1E84-44A1-BBA3-D0F0D994D138}" type="datetimeFigureOut">
               <a:rPr lang="en-IE" smtClean="0"/>
-              <a:t>27/09/2023</a:t>
+              <a:t>09/10/2023</a:t>
             </a:fld>
             <a:endParaRPr lang="en-IE"/>
           </a:p>
@@ -2932,7 +2932,7 @@
           <a:p>
             <a:fld id="{10B89189-1E84-44A1-BBA3-D0F0D994D138}" type="datetimeFigureOut">
               <a:rPr lang="en-IE" smtClean="0"/>
-              <a:t>27/09/2023</a:t>
+              <a:t>09/10/2023</a:t>
             </a:fld>
             <a:endParaRPr lang="en-IE"/>
           </a:p>
@@ -3399,36 +3399,6 @@
           </a:p>
         </p:txBody>
       </p:sp>
-      <p:pic>
-        <p:nvPicPr>
-          <p:cNvPr id="5" name="Picture 4">
-            <a:extLst>
-              <a:ext uri="{FF2B5EF4-FFF2-40B4-BE49-F238E27FC236}">
-                <a16:creationId xmlns:a16="http://schemas.microsoft.com/office/drawing/2014/main" id="{9EDE3F05-E311-44F7-F984-275577889D9F}"/>
-              </a:ext>
-            </a:extLst>
-          </p:cNvPr>
-          <p:cNvPicPr>
-            <a:picLocks noChangeAspect="1"/>
-          </p:cNvPicPr>
-          <p:nvPr/>
-        </p:nvPicPr>
-        <p:blipFill>
-          <a:blip r:embed="rId2"/>
-          <a:stretch>
-            <a:fillRect/>
-          </a:stretch>
-        </p:blipFill>
-        <p:spPr>
-          <a:xfrm>
-            <a:off x="577272" y="1246778"/>
-            <a:ext cx="11037456" cy="4710520"/>
-          </a:xfrm>
-          <a:prstGeom prst="rect">
-            <a:avLst/>
-          </a:prstGeom>
-        </p:spPr>
-      </p:pic>
       <p:sp>
         <p:nvSpPr>
           <p:cNvPr id="6" name="Rectangle 5">
@@ -3802,16 +3772,15 @@
           </p:cNvPicPr>
           <p:nvPr/>
         </p:nvPicPr>
-        <p:blipFill>
+        <p:blipFill rotWithShape="1">
           <a:blip r:embed="rId2"/>
-          <a:stretch>
-            <a:fillRect/>
-          </a:stretch>
+          <a:srcRect l="20582" t="12934" r="3507" b="5057"/>
+          <a:stretch/>
         </p:blipFill>
         <p:spPr>
           <a:xfrm>
-            <a:off x="0" y="2115698"/>
-            <a:ext cx="6317673" cy="4951057"/>
+            <a:off x="1300294" y="1535185"/>
+            <a:ext cx="4795706" cy="4060272"/>
           </a:xfrm>
           <a:prstGeom prst="rect">
             <a:avLst/>
